--- a/Projet SQL.pptx
+++ b/Projet SQL.pptx
@@ -7,6 +7,8 @@
   <p:sldIdLst>
     <p:sldId id="256" r:id="rId2"/>
     <p:sldId id="257" r:id="rId3"/>
+    <p:sldId id="258" r:id="rId4"/>
+    <p:sldId id="259" r:id="rId5"/>
   </p:sldIdLst>
   <p:sldSz cx="12192000" cy="6858000"/>
   <p:notesSz cx="6858000" cy="9144000"/>
@@ -3597,6 +3599,175 @@
 </p:sld>
 </file>
 
+<file path=ppt/slides/slide3.xml><?xml version="1.0" encoding="utf-8"?>
+<p:sld xmlns:a="http://schemas.openxmlformats.org/drawingml/2006/main" xmlns:r="http://schemas.openxmlformats.org/officeDocument/2006/relationships" xmlns:p="http://schemas.openxmlformats.org/presentationml/2006/main">
+  <p:cSld>
+    <p:spTree>
+      <p:nvGrpSpPr>
+        <p:cNvPr id="1" name=""/>
+        <p:cNvGrpSpPr/>
+        <p:nvPr/>
+      </p:nvGrpSpPr>
+      <p:grpSpPr>
+        <a:xfrm>
+          <a:off x="0" y="0"/>
+          <a:ext cx="0" cy="0"/>
+          <a:chOff x="0" y="0"/>
+          <a:chExt cx="0" cy="0"/>
+        </a:xfrm>
+      </p:grpSpPr>
+      <p:sp>
+        <p:nvSpPr>
+          <p:cNvPr id="2" name="Titre 1">
+            <a:extLst>
+              <a:ext uri="{FF2B5EF4-FFF2-40B4-BE49-F238E27FC236}">
+                <a16:creationId xmlns:a16="http://schemas.microsoft.com/office/drawing/2014/main" id="{6A4C3E0C-4D72-47BF-B871-B720B0793899}"/>
+              </a:ext>
+            </a:extLst>
+          </p:cNvPr>
+          <p:cNvSpPr>
+            <a:spLocks noGrp="1"/>
+          </p:cNvSpPr>
+          <p:nvPr>
+            <p:ph type="title"/>
+          </p:nvPr>
+        </p:nvSpPr>
+        <p:spPr/>
+        <p:txBody>
+          <a:bodyPr/>
+          <a:lstStyle/>
+          <a:p>
+            <a:pPr algn="ctr"/>
+            <a:r>
+              <a:rPr lang="fr-FR" dirty="0"/>
+              <a:t>Les </a:t>
+            </a:r>
+            <a:r>
+              <a:rPr lang="fr-FR" dirty="0" err="1"/>
+              <a:t>requetes</a:t>
+            </a:r>
+            <a:endParaRPr lang="fr-FR" dirty="0"/>
+          </a:p>
+        </p:txBody>
+      </p:sp>
+      <p:sp>
+        <p:nvSpPr>
+          <p:cNvPr id="3" name="Espace réservé du contenu 2">
+            <a:extLst>
+              <a:ext uri="{FF2B5EF4-FFF2-40B4-BE49-F238E27FC236}">
+                <a16:creationId xmlns:a16="http://schemas.microsoft.com/office/drawing/2014/main" id="{71E043E0-B149-465C-9EFE-9B246D4DF317}"/>
+              </a:ext>
+            </a:extLst>
+          </p:cNvPr>
+          <p:cNvSpPr>
+            <a:spLocks noGrp="1"/>
+          </p:cNvSpPr>
+          <p:nvPr>
+            <p:ph idx="1"/>
+          </p:nvPr>
+        </p:nvSpPr>
+        <p:spPr/>
+        <p:txBody>
+          <a:bodyPr/>
+          <a:lstStyle/>
+          <a:p>
+            <a:endParaRPr lang="fr-FR" dirty="0"/>
+          </a:p>
+        </p:txBody>
+      </p:sp>
+    </p:spTree>
+    <p:extLst>
+      <p:ext uri="{BB962C8B-B14F-4D97-AF65-F5344CB8AC3E}">
+        <p14:creationId xmlns:p14="http://schemas.microsoft.com/office/powerpoint/2010/main" val="3510277885"/>
+      </p:ext>
+    </p:extLst>
+  </p:cSld>
+  <p:clrMapOvr>
+    <a:masterClrMapping/>
+  </p:clrMapOvr>
+</p:sld>
+</file>
+
+<file path=ppt/slides/slide4.xml><?xml version="1.0" encoding="utf-8"?>
+<p:sld xmlns:a="http://schemas.openxmlformats.org/drawingml/2006/main" xmlns:r="http://schemas.openxmlformats.org/officeDocument/2006/relationships" xmlns:p="http://schemas.openxmlformats.org/presentationml/2006/main">
+  <p:cSld>
+    <p:spTree>
+      <p:nvGrpSpPr>
+        <p:cNvPr id="1" name=""/>
+        <p:cNvGrpSpPr/>
+        <p:nvPr/>
+      </p:nvGrpSpPr>
+      <p:grpSpPr>
+        <a:xfrm>
+          <a:off x="0" y="0"/>
+          <a:ext cx="0" cy="0"/>
+          <a:chOff x="0" y="0"/>
+          <a:chExt cx="0" cy="0"/>
+        </a:xfrm>
+      </p:grpSpPr>
+      <p:sp>
+        <p:nvSpPr>
+          <p:cNvPr id="2" name="Titre 1">
+            <a:extLst>
+              <a:ext uri="{FF2B5EF4-FFF2-40B4-BE49-F238E27FC236}">
+                <a16:creationId xmlns:a16="http://schemas.microsoft.com/office/drawing/2014/main" id="{9A0FF00B-96D6-42EC-BCD1-A80F44B69023}"/>
+              </a:ext>
+            </a:extLst>
+          </p:cNvPr>
+          <p:cNvSpPr>
+            <a:spLocks noGrp="1"/>
+          </p:cNvSpPr>
+          <p:nvPr>
+            <p:ph type="title"/>
+          </p:nvPr>
+        </p:nvSpPr>
+        <p:spPr/>
+        <p:txBody>
+          <a:bodyPr/>
+          <a:lstStyle/>
+          <a:p>
+            <a:endParaRPr lang="fr-FR"/>
+          </a:p>
+        </p:txBody>
+      </p:sp>
+      <p:sp>
+        <p:nvSpPr>
+          <p:cNvPr id="3" name="Espace réservé du contenu 2">
+            <a:extLst>
+              <a:ext uri="{FF2B5EF4-FFF2-40B4-BE49-F238E27FC236}">
+                <a16:creationId xmlns:a16="http://schemas.microsoft.com/office/drawing/2014/main" id="{F96615CA-2F76-45FE-B04F-39D53993E639}"/>
+              </a:ext>
+            </a:extLst>
+          </p:cNvPr>
+          <p:cNvSpPr>
+            <a:spLocks noGrp="1"/>
+          </p:cNvSpPr>
+          <p:nvPr>
+            <p:ph idx="1"/>
+          </p:nvPr>
+        </p:nvSpPr>
+        <p:spPr/>
+        <p:txBody>
+          <a:bodyPr/>
+          <a:lstStyle/>
+          <a:p>
+            <a:endParaRPr lang="fr-FR"/>
+          </a:p>
+        </p:txBody>
+      </p:sp>
+    </p:spTree>
+    <p:extLst>
+      <p:ext uri="{BB962C8B-B14F-4D97-AF65-F5344CB8AC3E}">
+        <p14:creationId xmlns:p14="http://schemas.microsoft.com/office/powerpoint/2010/main" val="3822027785"/>
+      </p:ext>
+    </p:extLst>
+  </p:cSld>
+  <p:clrMapOvr>
+    <a:masterClrMapping/>
+  </p:clrMapOvr>
+</p:sld>
+</file>
+
 <file path=ppt/theme/theme1.xml><?xml version="1.0" encoding="utf-8"?>
 <a:theme xmlns:a="http://schemas.openxmlformats.org/drawingml/2006/main" name="Thème Office">
   <a:themeElements>

--- a/Projet SQL.pptx
+++ b/Projet SQL.pptx
@@ -7,8 +7,15 @@
   <p:sldIdLst>
     <p:sldId id="256" r:id="rId2"/>
     <p:sldId id="257" r:id="rId3"/>
-    <p:sldId id="258" r:id="rId4"/>
+    <p:sldId id="260" r:id="rId4"/>
     <p:sldId id="259" r:id="rId5"/>
+    <p:sldId id="261" r:id="rId6"/>
+    <p:sldId id="262" r:id="rId7"/>
+    <p:sldId id="263" r:id="rId8"/>
+    <p:sldId id="264" r:id="rId9"/>
+    <p:sldId id="265" r:id="rId10"/>
+    <p:sldId id="266" r:id="rId11"/>
+    <p:sldId id="267" r:id="rId12"/>
   </p:sldIdLst>
   <p:sldSz cx="12192000" cy="6858000"/>
   <p:notesSz cx="6858000" cy="9144000"/>
@@ -107,6 +114,11 @@
       </a:defRPr>
     </a:lvl9pPr>
   </p:defaultTextStyle>
+  <p:extLst>
+    <p:ext uri="{EFAFB233-063F-42B5-8137-9DF3F51BA10A}">
+      <p15:sldGuideLst xmlns:p15="http://schemas.microsoft.com/office/powerpoint/2012/main"/>
+    </p:ext>
+  </p:extLst>
 </p:presentation>
 </file>
 
@@ -3380,15 +3392,7 @@
           <a:p>
             <a:r>
               <a:rPr lang="fr-FR" dirty="0"/>
-              <a:t>Groupe [Les rois du Gaming] Arthur Laforest ,Killian Buton ,Mathieu </a:t>
-            </a:r>
-            <a:r>
-              <a:rPr lang="fr-FR" dirty="0" err="1"/>
-              <a:t>Darribau</a:t>
-            </a:r>
-            <a:r>
-              <a:rPr lang="fr-FR" dirty="0"/>
-              <a:t> ,Baptiste Bonnin</a:t>
+              <a:t>Groupe [Les rois du Gaming] Arthur Laforest ,Killian Buton ,Mathieu DARRIBAU ,Baptiste Bonnin</a:t>
             </a:r>
           </a:p>
         </p:txBody>
@@ -3457,12 +3461,8 @@
           <a:lstStyle/>
           <a:p>
             <a:r>
-              <a:rPr lang="fr-FR" dirty="0" err="1"/>
-              <a:t>Ynov</a:t>
-            </a:r>
-            <a:r>
               <a:rPr lang="fr-FR" dirty="0"/>
-              <a:t> Bordeaux Campus</a:t>
+              <a:t>Ynov Bordeaux Campus</a:t>
             </a:r>
           </a:p>
         </p:txBody>
@@ -3506,6 +3506,194 @@
     <p:extLst>
       <p:ext uri="{BB962C8B-B14F-4D97-AF65-F5344CB8AC3E}">
         <p14:creationId xmlns:p14="http://schemas.microsoft.com/office/powerpoint/2010/main" val="823261661"/>
+      </p:ext>
+    </p:extLst>
+  </p:cSld>
+  <p:clrMapOvr>
+    <a:masterClrMapping/>
+  </p:clrMapOvr>
+</p:sld>
+</file>
+
+<file path=ppt/slides/slide10.xml><?xml version="1.0" encoding="utf-8"?>
+<p:sld xmlns:a="http://schemas.openxmlformats.org/drawingml/2006/main" xmlns:r="http://schemas.openxmlformats.org/officeDocument/2006/relationships" xmlns:p="http://schemas.openxmlformats.org/presentationml/2006/main">
+  <p:cSld>
+    <p:spTree>
+      <p:nvGrpSpPr>
+        <p:cNvPr id="1" name=""/>
+        <p:cNvGrpSpPr/>
+        <p:nvPr/>
+      </p:nvGrpSpPr>
+      <p:grpSpPr>
+        <a:xfrm>
+          <a:off x="0" y="0"/>
+          <a:ext cx="0" cy="0"/>
+          <a:chOff x="0" y="0"/>
+          <a:chExt cx="0" cy="0"/>
+        </a:xfrm>
+      </p:grpSpPr>
+      <p:sp>
+        <p:nvSpPr>
+          <p:cNvPr id="2" name="Titre 1">
+            <a:extLst>
+              <a:ext uri="{FF2B5EF4-FFF2-40B4-BE49-F238E27FC236}">
+                <a16:creationId xmlns:a16="http://schemas.microsoft.com/office/drawing/2014/main" id="{B5D83FD9-8324-419C-A95B-B680BEB11BE0}"/>
+              </a:ext>
+            </a:extLst>
+          </p:cNvPr>
+          <p:cNvSpPr>
+            <a:spLocks noGrp="1"/>
+          </p:cNvSpPr>
+          <p:nvPr>
+            <p:ph type="title"/>
+          </p:nvPr>
+        </p:nvSpPr>
+        <p:spPr/>
+        <p:txBody>
+          <a:bodyPr/>
+          <a:lstStyle/>
+          <a:p>
+            <a:pPr algn="ctr"/>
+            <a:r>
+              <a:rPr lang="fr-FR" dirty="0"/>
+              <a:t>Requête n°8</a:t>
+            </a:r>
+          </a:p>
+        </p:txBody>
+      </p:sp>
+      <p:pic>
+        <p:nvPicPr>
+          <p:cNvPr id="5" name="Espace réservé du contenu 4" descr="Une image contenant capture d’écran&#10;&#10;Description générée automatiquement">
+            <a:extLst>
+              <a:ext uri="{FF2B5EF4-FFF2-40B4-BE49-F238E27FC236}">
+                <a16:creationId xmlns:a16="http://schemas.microsoft.com/office/drawing/2014/main" id="{99925520-479F-4AAC-88F8-3D11D5A9E85F}"/>
+              </a:ext>
+            </a:extLst>
+          </p:cNvPr>
+          <p:cNvPicPr>
+            <a:picLocks noGrp="1" noChangeAspect="1"/>
+          </p:cNvPicPr>
+          <p:nvPr>
+            <p:ph idx="1"/>
+          </p:nvPr>
+        </p:nvPicPr>
+        <p:blipFill>
+          <a:blip r:embed="rId2">
+            <a:extLst>
+              <a:ext uri="{28A0092B-C50C-407E-A947-70E740481C1C}">
+                <a14:useLocalDpi xmlns:a14="http://schemas.microsoft.com/office/drawing/2010/main" val="0"/>
+              </a:ext>
+            </a:extLst>
+          </a:blip>
+          <a:stretch>
+            <a:fillRect/>
+          </a:stretch>
+        </p:blipFill>
+        <p:spPr>
+          <a:xfrm>
+            <a:off x="2830515" y="2678151"/>
+            <a:ext cx="6530970" cy="1501698"/>
+          </a:xfrm>
+        </p:spPr>
+      </p:pic>
+    </p:spTree>
+    <p:extLst>
+      <p:ext uri="{BB962C8B-B14F-4D97-AF65-F5344CB8AC3E}">
+        <p14:creationId xmlns:p14="http://schemas.microsoft.com/office/powerpoint/2010/main" val="2928075608"/>
+      </p:ext>
+    </p:extLst>
+  </p:cSld>
+  <p:clrMapOvr>
+    <a:masterClrMapping/>
+  </p:clrMapOvr>
+</p:sld>
+</file>
+
+<file path=ppt/slides/slide11.xml><?xml version="1.0" encoding="utf-8"?>
+<p:sld xmlns:a="http://schemas.openxmlformats.org/drawingml/2006/main" xmlns:r="http://schemas.openxmlformats.org/officeDocument/2006/relationships" xmlns:p="http://schemas.openxmlformats.org/presentationml/2006/main">
+  <p:cSld>
+    <p:spTree>
+      <p:nvGrpSpPr>
+        <p:cNvPr id="1" name=""/>
+        <p:cNvGrpSpPr/>
+        <p:nvPr/>
+      </p:nvGrpSpPr>
+      <p:grpSpPr>
+        <a:xfrm>
+          <a:off x="0" y="0"/>
+          <a:ext cx="0" cy="0"/>
+          <a:chOff x="0" y="0"/>
+          <a:chExt cx="0" cy="0"/>
+        </a:xfrm>
+      </p:grpSpPr>
+      <p:sp>
+        <p:nvSpPr>
+          <p:cNvPr id="2" name="Titre 1">
+            <a:extLst>
+              <a:ext uri="{FF2B5EF4-FFF2-40B4-BE49-F238E27FC236}">
+                <a16:creationId xmlns:a16="http://schemas.microsoft.com/office/drawing/2014/main" id="{9752BA14-57A9-4FA5-A796-0DD6CB975633}"/>
+              </a:ext>
+            </a:extLst>
+          </p:cNvPr>
+          <p:cNvSpPr>
+            <a:spLocks noGrp="1"/>
+          </p:cNvSpPr>
+          <p:nvPr>
+            <p:ph type="title"/>
+          </p:nvPr>
+        </p:nvSpPr>
+        <p:spPr/>
+        <p:txBody>
+          <a:bodyPr/>
+          <a:lstStyle/>
+          <a:p>
+            <a:pPr algn="ctr"/>
+            <a:r>
+              <a:rPr lang="fr-FR" dirty="0"/>
+              <a:t>Requête n°9</a:t>
+            </a:r>
+          </a:p>
+        </p:txBody>
+      </p:sp>
+      <p:pic>
+        <p:nvPicPr>
+          <p:cNvPr id="5" name="Espace réservé du contenu 4">
+            <a:extLst>
+              <a:ext uri="{FF2B5EF4-FFF2-40B4-BE49-F238E27FC236}">
+                <a16:creationId xmlns:a16="http://schemas.microsoft.com/office/drawing/2014/main" id="{4ADDDCD0-2F7A-416A-AB79-76DA0170AEE7}"/>
+              </a:ext>
+            </a:extLst>
+          </p:cNvPr>
+          <p:cNvPicPr>
+            <a:picLocks noGrp="1" noChangeAspect="1"/>
+          </p:cNvPicPr>
+          <p:nvPr>
+            <p:ph idx="1"/>
+          </p:nvPr>
+        </p:nvPicPr>
+        <p:blipFill>
+          <a:blip r:embed="rId2">
+            <a:extLst>
+              <a:ext uri="{28A0092B-C50C-407E-A947-70E740481C1C}">
+                <a14:useLocalDpi xmlns:a14="http://schemas.microsoft.com/office/drawing/2010/main" val="0"/>
+              </a:ext>
+            </a:extLst>
+          </a:blip>
+          <a:stretch>
+            <a:fillRect/>
+          </a:stretch>
+        </p:blipFill>
+        <p:spPr>
+          <a:xfrm>
+            <a:off x="2293635" y="2127134"/>
+            <a:ext cx="7604730" cy="2603731"/>
+          </a:xfrm>
+        </p:spPr>
+      </p:pic>
+    </p:spTree>
+    <p:extLst>
+      <p:ext uri="{BB962C8B-B14F-4D97-AF65-F5344CB8AC3E}">
+        <p14:creationId xmlns:p14="http://schemas.microsoft.com/office/powerpoint/2010/main" val="3649224155"/>
       </p:ext>
     </p:extLst>
   </p:cSld>
@@ -3621,7 +3809,7 @@
           <p:cNvPr id="2" name="Titre 1">
             <a:extLst>
               <a:ext uri="{FF2B5EF4-FFF2-40B4-BE49-F238E27FC236}">
-                <a16:creationId xmlns:a16="http://schemas.microsoft.com/office/drawing/2014/main" id="{6A4C3E0C-4D72-47BF-B871-B720B0793899}"/>
+                <a16:creationId xmlns:a16="http://schemas.microsoft.com/office/drawing/2014/main" id="{2B33BF35-3978-41E0-9426-B0E54A0FD843}"/>
               </a:ext>
             </a:extLst>
           </p:cNvPr>
@@ -3640,45 +3828,50 @@
             <a:pPr algn="ctr"/>
             <a:r>
               <a:rPr lang="fr-FR" dirty="0"/>
-              <a:t>Les </a:t>
-            </a:r>
-            <a:r>
-              <a:rPr lang="fr-FR" dirty="0" err="1"/>
-              <a:t>requetes</a:t>
-            </a:r>
-            <a:endParaRPr lang="fr-FR" dirty="0"/>
-          </a:p>
-        </p:txBody>
-      </p:sp>
-      <p:sp>
-        <p:nvSpPr>
-          <p:cNvPr id="3" name="Espace réservé du contenu 2">
-            <a:extLst>
-              <a:ext uri="{FF2B5EF4-FFF2-40B4-BE49-F238E27FC236}">
-                <a16:creationId xmlns:a16="http://schemas.microsoft.com/office/drawing/2014/main" id="{71E043E0-B149-465C-9EFE-9B246D4DF317}"/>
-              </a:ext>
-            </a:extLst>
-          </p:cNvPr>
-          <p:cNvSpPr>
-            <a:spLocks noGrp="1"/>
-          </p:cNvSpPr>
+              <a:t>Requête n°1</a:t>
+            </a:r>
+          </a:p>
+        </p:txBody>
+      </p:sp>
+      <p:pic>
+        <p:nvPicPr>
+          <p:cNvPr id="5" name="Espace réservé du contenu 4">
+            <a:extLst>
+              <a:ext uri="{FF2B5EF4-FFF2-40B4-BE49-F238E27FC236}">
+                <a16:creationId xmlns:a16="http://schemas.microsoft.com/office/drawing/2014/main" id="{5F07852E-02FB-4023-87D5-4CBD5C13ABA5}"/>
+              </a:ext>
+            </a:extLst>
+          </p:cNvPr>
+          <p:cNvPicPr>
+            <a:picLocks noGrp="1" noChangeAspect="1"/>
+          </p:cNvPicPr>
           <p:nvPr>
             <p:ph idx="1"/>
           </p:nvPr>
-        </p:nvSpPr>
-        <p:spPr/>
-        <p:txBody>
-          <a:bodyPr/>
-          <a:lstStyle/>
-          <a:p>
-            <a:endParaRPr lang="fr-FR" dirty="0"/>
-          </a:p>
-        </p:txBody>
-      </p:sp>
+        </p:nvPicPr>
+        <p:blipFill>
+          <a:blip r:embed="rId2">
+            <a:extLst>
+              <a:ext uri="{28A0092B-C50C-407E-A947-70E740481C1C}">
+                <a14:useLocalDpi xmlns:a14="http://schemas.microsoft.com/office/drawing/2010/main" val="0"/>
+              </a:ext>
+            </a:extLst>
+          </a:blip>
+          <a:stretch>
+            <a:fillRect/>
+          </a:stretch>
+        </p:blipFill>
+        <p:spPr>
+          <a:xfrm>
+            <a:off x="2789332" y="2435684"/>
+            <a:ext cx="6613336" cy="2941962"/>
+          </a:xfrm>
+        </p:spPr>
+      </p:pic>
     </p:spTree>
     <p:extLst>
       <p:ext uri="{BB962C8B-B14F-4D97-AF65-F5344CB8AC3E}">
-        <p14:creationId xmlns:p14="http://schemas.microsoft.com/office/powerpoint/2010/main" val="3510277885"/>
+        <p14:creationId xmlns:p14="http://schemas.microsoft.com/office/powerpoint/2010/main" val="2404437502"/>
       </p:ext>
     </p:extLst>
   </p:cSld>
@@ -3710,7 +3903,7 @@
           <p:cNvPr id="2" name="Titre 1">
             <a:extLst>
               <a:ext uri="{FF2B5EF4-FFF2-40B4-BE49-F238E27FC236}">
-                <a16:creationId xmlns:a16="http://schemas.microsoft.com/office/drawing/2014/main" id="{9A0FF00B-96D6-42EC-BCD1-A80F44B69023}"/>
+                <a16:creationId xmlns:a16="http://schemas.microsoft.com/office/drawing/2014/main" id="{B2E9CAFF-C4BA-42DD-85E8-C13F73056376}"/>
               </a:ext>
             </a:extLst>
           </p:cNvPr>
@@ -3726,39 +3919,523 @@
           <a:bodyPr/>
           <a:lstStyle/>
           <a:p>
-            <a:endParaRPr lang="fr-FR"/>
-          </a:p>
-        </p:txBody>
-      </p:sp>
-      <p:sp>
-        <p:nvSpPr>
-          <p:cNvPr id="3" name="Espace réservé du contenu 2">
-            <a:extLst>
-              <a:ext uri="{FF2B5EF4-FFF2-40B4-BE49-F238E27FC236}">
-                <a16:creationId xmlns:a16="http://schemas.microsoft.com/office/drawing/2014/main" id="{F96615CA-2F76-45FE-B04F-39D53993E639}"/>
-              </a:ext>
-            </a:extLst>
-          </p:cNvPr>
-          <p:cNvSpPr>
-            <a:spLocks noGrp="1"/>
-          </p:cNvSpPr>
+            <a:pPr algn="ctr"/>
+            <a:r>
+              <a:rPr lang="fr-FR" dirty="0"/>
+              <a:t>Requête n°2</a:t>
+            </a:r>
+          </a:p>
+        </p:txBody>
+      </p:sp>
+      <p:pic>
+        <p:nvPicPr>
+          <p:cNvPr id="5" name="Espace réservé du contenu 4">
+            <a:extLst>
+              <a:ext uri="{FF2B5EF4-FFF2-40B4-BE49-F238E27FC236}">
+                <a16:creationId xmlns:a16="http://schemas.microsoft.com/office/drawing/2014/main" id="{33D05E4F-4F63-405B-89FD-EEE73B33CC7C}"/>
+              </a:ext>
+            </a:extLst>
+          </p:cNvPr>
+          <p:cNvPicPr>
+            <a:picLocks noGrp="1" noChangeAspect="1"/>
+          </p:cNvPicPr>
           <p:nvPr>
             <p:ph idx="1"/>
           </p:nvPr>
-        </p:nvSpPr>
-        <p:spPr/>
-        <p:txBody>
-          <a:bodyPr/>
-          <a:lstStyle/>
-          <a:p>
-            <a:endParaRPr lang="fr-FR"/>
-          </a:p>
-        </p:txBody>
-      </p:sp>
+        </p:nvPicPr>
+        <p:blipFill>
+          <a:blip r:embed="rId2">
+            <a:extLst>
+              <a:ext uri="{28A0092B-C50C-407E-A947-70E740481C1C}">
+                <a14:useLocalDpi xmlns:a14="http://schemas.microsoft.com/office/drawing/2010/main" val="0"/>
+              </a:ext>
+            </a:extLst>
+          </a:blip>
+          <a:stretch>
+            <a:fillRect/>
+          </a:stretch>
+        </p:blipFill>
+        <p:spPr>
+          <a:xfrm>
+            <a:off x="1440643" y="2743201"/>
+            <a:ext cx="9401381" cy="2340752"/>
+          </a:xfrm>
+        </p:spPr>
+      </p:pic>
     </p:spTree>
     <p:extLst>
       <p:ext uri="{BB962C8B-B14F-4D97-AF65-F5344CB8AC3E}">
-        <p14:creationId xmlns:p14="http://schemas.microsoft.com/office/powerpoint/2010/main" val="3822027785"/>
+        <p14:creationId xmlns:p14="http://schemas.microsoft.com/office/powerpoint/2010/main" val="2262578303"/>
+      </p:ext>
+    </p:extLst>
+  </p:cSld>
+  <p:clrMapOvr>
+    <a:masterClrMapping/>
+  </p:clrMapOvr>
+</p:sld>
+</file>
+
+<file path=ppt/slides/slide5.xml><?xml version="1.0" encoding="utf-8"?>
+<p:sld xmlns:a="http://schemas.openxmlformats.org/drawingml/2006/main" xmlns:r="http://schemas.openxmlformats.org/officeDocument/2006/relationships" xmlns:p="http://schemas.openxmlformats.org/presentationml/2006/main">
+  <p:cSld>
+    <p:spTree>
+      <p:nvGrpSpPr>
+        <p:cNvPr id="1" name=""/>
+        <p:cNvGrpSpPr/>
+        <p:nvPr/>
+      </p:nvGrpSpPr>
+      <p:grpSpPr>
+        <a:xfrm>
+          <a:off x="0" y="0"/>
+          <a:ext cx="0" cy="0"/>
+          <a:chOff x="0" y="0"/>
+          <a:chExt cx="0" cy="0"/>
+        </a:xfrm>
+      </p:grpSpPr>
+      <p:sp>
+        <p:nvSpPr>
+          <p:cNvPr id="2" name="Titre 1">
+            <a:extLst>
+              <a:ext uri="{FF2B5EF4-FFF2-40B4-BE49-F238E27FC236}">
+                <a16:creationId xmlns:a16="http://schemas.microsoft.com/office/drawing/2014/main" id="{E3CE2926-FA90-4BA9-A3D5-ACCA802A8F4A}"/>
+              </a:ext>
+            </a:extLst>
+          </p:cNvPr>
+          <p:cNvSpPr>
+            <a:spLocks noGrp="1"/>
+          </p:cNvSpPr>
+          <p:nvPr>
+            <p:ph type="title"/>
+          </p:nvPr>
+        </p:nvSpPr>
+        <p:spPr/>
+        <p:txBody>
+          <a:bodyPr/>
+          <a:lstStyle/>
+          <a:p>
+            <a:pPr algn="ctr"/>
+            <a:r>
+              <a:rPr lang="fr-FR" dirty="0"/>
+              <a:t>Requête n°3</a:t>
+            </a:r>
+          </a:p>
+        </p:txBody>
+      </p:sp>
+      <p:pic>
+        <p:nvPicPr>
+          <p:cNvPr id="5" name="Espace réservé du contenu 4">
+            <a:extLst>
+              <a:ext uri="{FF2B5EF4-FFF2-40B4-BE49-F238E27FC236}">
+                <a16:creationId xmlns:a16="http://schemas.microsoft.com/office/drawing/2014/main" id="{0C2C43D2-EA0C-4231-BD0A-DD7F4BF635CA}"/>
+              </a:ext>
+            </a:extLst>
+          </p:cNvPr>
+          <p:cNvPicPr>
+            <a:picLocks noGrp="1" noChangeAspect="1"/>
+          </p:cNvPicPr>
+          <p:nvPr>
+            <p:ph idx="1"/>
+          </p:nvPr>
+        </p:nvPicPr>
+        <p:blipFill>
+          <a:blip r:embed="rId2">
+            <a:extLst>
+              <a:ext uri="{28A0092B-C50C-407E-A947-70E740481C1C}">
+                <a14:useLocalDpi xmlns:a14="http://schemas.microsoft.com/office/drawing/2010/main" val="0"/>
+              </a:ext>
+            </a:extLst>
+          </a:blip>
+          <a:stretch>
+            <a:fillRect/>
+          </a:stretch>
+        </p:blipFill>
+        <p:spPr>
+          <a:xfrm>
+            <a:off x="2537042" y="2289109"/>
+            <a:ext cx="8381121" cy="2426114"/>
+          </a:xfrm>
+        </p:spPr>
+      </p:pic>
+    </p:spTree>
+    <p:extLst>
+      <p:ext uri="{BB962C8B-B14F-4D97-AF65-F5344CB8AC3E}">
+        <p14:creationId xmlns:p14="http://schemas.microsoft.com/office/powerpoint/2010/main" val="3808474754"/>
+      </p:ext>
+    </p:extLst>
+  </p:cSld>
+  <p:clrMapOvr>
+    <a:masterClrMapping/>
+  </p:clrMapOvr>
+</p:sld>
+</file>
+
+<file path=ppt/slides/slide6.xml><?xml version="1.0" encoding="utf-8"?>
+<p:sld xmlns:a="http://schemas.openxmlformats.org/drawingml/2006/main" xmlns:r="http://schemas.openxmlformats.org/officeDocument/2006/relationships" xmlns:p="http://schemas.openxmlformats.org/presentationml/2006/main">
+  <p:cSld>
+    <p:spTree>
+      <p:nvGrpSpPr>
+        <p:cNvPr id="1" name=""/>
+        <p:cNvGrpSpPr/>
+        <p:nvPr/>
+      </p:nvGrpSpPr>
+      <p:grpSpPr>
+        <a:xfrm>
+          <a:off x="0" y="0"/>
+          <a:ext cx="0" cy="0"/>
+          <a:chOff x="0" y="0"/>
+          <a:chExt cx="0" cy="0"/>
+        </a:xfrm>
+      </p:grpSpPr>
+      <p:sp>
+        <p:nvSpPr>
+          <p:cNvPr id="2" name="Titre 1">
+            <a:extLst>
+              <a:ext uri="{FF2B5EF4-FFF2-40B4-BE49-F238E27FC236}">
+                <a16:creationId xmlns:a16="http://schemas.microsoft.com/office/drawing/2014/main" id="{0ABCBDF3-E5E8-49EF-A75A-1895A79A9E44}"/>
+              </a:ext>
+            </a:extLst>
+          </p:cNvPr>
+          <p:cNvSpPr>
+            <a:spLocks noGrp="1"/>
+          </p:cNvSpPr>
+          <p:nvPr>
+            <p:ph type="title"/>
+          </p:nvPr>
+        </p:nvSpPr>
+        <p:spPr/>
+        <p:txBody>
+          <a:bodyPr/>
+          <a:lstStyle/>
+          <a:p>
+            <a:pPr algn="ctr"/>
+            <a:r>
+              <a:rPr lang="fr-FR" dirty="0"/>
+              <a:t>Requête n°4</a:t>
+            </a:r>
+          </a:p>
+        </p:txBody>
+      </p:sp>
+      <p:pic>
+        <p:nvPicPr>
+          <p:cNvPr id="5" name="Espace réservé du contenu 4" descr="Une image contenant journal&#10;&#10;Description générée automatiquement">
+            <a:extLst>
+              <a:ext uri="{FF2B5EF4-FFF2-40B4-BE49-F238E27FC236}">
+                <a16:creationId xmlns:a16="http://schemas.microsoft.com/office/drawing/2014/main" id="{B208993B-B6E0-4AC8-8694-175838B9F53D}"/>
+              </a:ext>
+            </a:extLst>
+          </p:cNvPr>
+          <p:cNvPicPr>
+            <a:picLocks noGrp="1" noChangeAspect="1"/>
+          </p:cNvPicPr>
+          <p:nvPr>
+            <p:ph idx="1"/>
+          </p:nvPr>
+        </p:nvPicPr>
+        <p:blipFill>
+          <a:blip r:embed="rId2">
+            <a:extLst>
+              <a:ext uri="{28A0092B-C50C-407E-A947-70E740481C1C}">
+                <a14:useLocalDpi xmlns:a14="http://schemas.microsoft.com/office/drawing/2010/main" val="0"/>
+              </a:ext>
+            </a:extLst>
+          </a:blip>
+          <a:stretch>
+            <a:fillRect/>
+          </a:stretch>
+        </p:blipFill>
+        <p:spPr>
+          <a:xfrm>
+            <a:off x="1840454" y="2430693"/>
+            <a:ext cx="9589139" cy="1996613"/>
+          </a:xfrm>
+        </p:spPr>
+      </p:pic>
+    </p:spTree>
+    <p:extLst>
+      <p:ext uri="{BB962C8B-B14F-4D97-AF65-F5344CB8AC3E}">
+        <p14:creationId xmlns:p14="http://schemas.microsoft.com/office/powerpoint/2010/main" val="967531261"/>
+      </p:ext>
+    </p:extLst>
+  </p:cSld>
+  <p:clrMapOvr>
+    <a:masterClrMapping/>
+  </p:clrMapOvr>
+</p:sld>
+</file>
+
+<file path=ppt/slides/slide7.xml><?xml version="1.0" encoding="utf-8"?>
+<p:sld xmlns:a="http://schemas.openxmlformats.org/drawingml/2006/main" xmlns:r="http://schemas.openxmlformats.org/officeDocument/2006/relationships" xmlns:p="http://schemas.openxmlformats.org/presentationml/2006/main">
+  <p:cSld>
+    <p:spTree>
+      <p:nvGrpSpPr>
+        <p:cNvPr id="1" name=""/>
+        <p:cNvGrpSpPr/>
+        <p:nvPr/>
+      </p:nvGrpSpPr>
+      <p:grpSpPr>
+        <a:xfrm>
+          <a:off x="0" y="0"/>
+          <a:ext cx="0" cy="0"/>
+          <a:chOff x="0" y="0"/>
+          <a:chExt cx="0" cy="0"/>
+        </a:xfrm>
+      </p:grpSpPr>
+      <p:sp>
+        <p:nvSpPr>
+          <p:cNvPr id="2" name="Titre 1">
+            <a:extLst>
+              <a:ext uri="{FF2B5EF4-FFF2-40B4-BE49-F238E27FC236}">
+                <a16:creationId xmlns:a16="http://schemas.microsoft.com/office/drawing/2014/main" id="{E59D008C-79A7-4AF5-9F6B-0C8E81AEFA6F}"/>
+              </a:ext>
+            </a:extLst>
+          </p:cNvPr>
+          <p:cNvSpPr>
+            <a:spLocks noGrp="1"/>
+          </p:cNvSpPr>
+          <p:nvPr>
+            <p:ph type="title"/>
+          </p:nvPr>
+        </p:nvSpPr>
+        <p:spPr/>
+        <p:txBody>
+          <a:bodyPr/>
+          <a:lstStyle/>
+          <a:p>
+            <a:pPr algn="ctr"/>
+            <a:r>
+              <a:rPr lang="fr-FR" dirty="0"/>
+              <a:t>Requête 5</a:t>
+            </a:r>
+          </a:p>
+        </p:txBody>
+      </p:sp>
+      <p:pic>
+        <p:nvPicPr>
+          <p:cNvPr id="5" name="Espace réservé du contenu 4" descr="Une image contenant journal&#10;&#10;Description générée automatiquement">
+            <a:extLst>
+              <a:ext uri="{FF2B5EF4-FFF2-40B4-BE49-F238E27FC236}">
+                <a16:creationId xmlns:a16="http://schemas.microsoft.com/office/drawing/2014/main" id="{8F08CCCF-ADE9-4A6E-ADF8-6E4C124288C2}"/>
+              </a:ext>
+            </a:extLst>
+          </p:cNvPr>
+          <p:cNvPicPr>
+            <a:picLocks noGrp="1" noChangeAspect="1"/>
+          </p:cNvPicPr>
+          <p:nvPr>
+            <p:ph idx="1"/>
+          </p:nvPr>
+        </p:nvPicPr>
+        <p:blipFill>
+          <a:blip r:embed="rId2">
+            <a:extLst>
+              <a:ext uri="{28A0092B-C50C-407E-A947-70E740481C1C}">
+                <a14:useLocalDpi xmlns:a14="http://schemas.microsoft.com/office/drawing/2010/main" val="0"/>
+              </a:ext>
+            </a:extLst>
+          </a:blip>
+          <a:stretch>
+            <a:fillRect/>
+          </a:stretch>
+        </p:blipFill>
+        <p:spPr>
+          <a:xfrm>
+            <a:off x="2191210" y="2253007"/>
+            <a:ext cx="7806544" cy="2674464"/>
+          </a:xfrm>
+        </p:spPr>
+      </p:pic>
+    </p:spTree>
+    <p:extLst>
+      <p:ext uri="{BB962C8B-B14F-4D97-AF65-F5344CB8AC3E}">
+        <p14:creationId xmlns:p14="http://schemas.microsoft.com/office/powerpoint/2010/main" val="96659482"/>
+      </p:ext>
+    </p:extLst>
+  </p:cSld>
+  <p:clrMapOvr>
+    <a:masterClrMapping/>
+  </p:clrMapOvr>
+</p:sld>
+</file>
+
+<file path=ppt/slides/slide8.xml><?xml version="1.0" encoding="utf-8"?>
+<p:sld xmlns:a="http://schemas.openxmlformats.org/drawingml/2006/main" xmlns:r="http://schemas.openxmlformats.org/officeDocument/2006/relationships" xmlns:p="http://schemas.openxmlformats.org/presentationml/2006/main">
+  <p:cSld>
+    <p:spTree>
+      <p:nvGrpSpPr>
+        <p:cNvPr id="1" name=""/>
+        <p:cNvGrpSpPr/>
+        <p:nvPr/>
+      </p:nvGrpSpPr>
+      <p:grpSpPr>
+        <a:xfrm>
+          <a:off x="0" y="0"/>
+          <a:ext cx="0" cy="0"/>
+          <a:chOff x="0" y="0"/>
+          <a:chExt cx="0" cy="0"/>
+        </a:xfrm>
+      </p:grpSpPr>
+      <p:sp>
+        <p:nvSpPr>
+          <p:cNvPr id="2" name="Titre 1">
+            <a:extLst>
+              <a:ext uri="{FF2B5EF4-FFF2-40B4-BE49-F238E27FC236}">
+                <a16:creationId xmlns:a16="http://schemas.microsoft.com/office/drawing/2014/main" id="{2546371B-A400-435E-A54A-6FA1D8BFB961}"/>
+              </a:ext>
+            </a:extLst>
+          </p:cNvPr>
+          <p:cNvSpPr>
+            <a:spLocks noGrp="1"/>
+          </p:cNvSpPr>
+          <p:nvPr>
+            <p:ph type="title"/>
+          </p:nvPr>
+        </p:nvSpPr>
+        <p:spPr/>
+        <p:txBody>
+          <a:bodyPr/>
+          <a:lstStyle/>
+          <a:p>
+            <a:pPr algn="ctr"/>
+            <a:r>
+              <a:rPr lang="fr-FR" dirty="0"/>
+              <a:t>Requête n°6</a:t>
+            </a:r>
+          </a:p>
+        </p:txBody>
+      </p:sp>
+      <p:pic>
+        <p:nvPicPr>
+          <p:cNvPr id="5" name="Espace réservé du contenu 4" descr="Une image contenant capture d’écran&#10;&#10;Description générée automatiquement">
+            <a:extLst>
+              <a:ext uri="{FF2B5EF4-FFF2-40B4-BE49-F238E27FC236}">
+                <a16:creationId xmlns:a16="http://schemas.microsoft.com/office/drawing/2014/main" id="{F7A876A4-EBF1-45C9-9999-6F4C231B8166}"/>
+              </a:ext>
+            </a:extLst>
+          </p:cNvPr>
+          <p:cNvPicPr>
+            <a:picLocks noGrp="1" noChangeAspect="1"/>
+          </p:cNvPicPr>
+          <p:nvPr>
+            <p:ph idx="1"/>
+          </p:nvPr>
+        </p:nvPicPr>
+        <p:blipFill>
+          <a:blip r:embed="rId2">
+            <a:extLst>
+              <a:ext uri="{28A0092B-C50C-407E-A947-70E740481C1C}">
+                <a14:useLocalDpi xmlns:a14="http://schemas.microsoft.com/office/drawing/2010/main" val="0"/>
+              </a:ext>
+            </a:extLst>
+          </a:blip>
+          <a:stretch>
+            <a:fillRect/>
+          </a:stretch>
+        </p:blipFill>
+        <p:spPr>
+          <a:xfrm>
+            <a:off x="2182433" y="2766218"/>
+            <a:ext cx="7827134" cy="1325563"/>
+          </a:xfrm>
+        </p:spPr>
+      </p:pic>
+    </p:spTree>
+    <p:extLst>
+      <p:ext uri="{BB962C8B-B14F-4D97-AF65-F5344CB8AC3E}">
+        <p14:creationId xmlns:p14="http://schemas.microsoft.com/office/powerpoint/2010/main" val="3534057219"/>
+      </p:ext>
+    </p:extLst>
+  </p:cSld>
+  <p:clrMapOvr>
+    <a:masterClrMapping/>
+  </p:clrMapOvr>
+</p:sld>
+</file>
+
+<file path=ppt/slides/slide9.xml><?xml version="1.0" encoding="utf-8"?>
+<p:sld xmlns:a="http://schemas.openxmlformats.org/drawingml/2006/main" xmlns:r="http://schemas.openxmlformats.org/officeDocument/2006/relationships" xmlns:p="http://schemas.openxmlformats.org/presentationml/2006/main">
+  <p:cSld>
+    <p:spTree>
+      <p:nvGrpSpPr>
+        <p:cNvPr id="1" name=""/>
+        <p:cNvGrpSpPr/>
+        <p:nvPr/>
+      </p:nvGrpSpPr>
+      <p:grpSpPr>
+        <a:xfrm>
+          <a:off x="0" y="0"/>
+          <a:ext cx="0" cy="0"/>
+          <a:chOff x="0" y="0"/>
+          <a:chExt cx="0" cy="0"/>
+        </a:xfrm>
+      </p:grpSpPr>
+      <p:sp>
+        <p:nvSpPr>
+          <p:cNvPr id="2" name="Titre 1">
+            <a:extLst>
+              <a:ext uri="{FF2B5EF4-FFF2-40B4-BE49-F238E27FC236}">
+                <a16:creationId xmlns:a16="http://schemas.microsoft.com/office/drawing/2014/main" id="{EFD48964-5147-45C9-81BC-967EAB0C5E44}"/>
+              </a:ext>
+            </a:extLst>
+          </p:cNvPr>
+          <p:cNvSpPr>
+            <a:spLocks noGrp="1"/>
+          </p:cNvSpPr>
+          <p:nvPr>
+            <p:ph type="title"/>
+          </p:nvPr>
+        </p:nvSpPr>
+        <p:spPr/>
+        <p:txBody>
+          <a:bodyPr/>
+          <a:lstStyle/>
+          <a:p>
+            <a:pPr algn="ctr"/>
+            <a:r>
+              <a:rPr lang="fr-FR" dirty="0"/>
+              <a:t>Requête n°7</a:t>
+            </a:r>
+          </a:p>
+        </p:txBody>
+      </p:sp>
+      <p:pic>
+        <p:nvPicPr>
+          <p:cNvPr id="5" name="Espace réservé du contenu 4">
+            <a:extLst>
+              <a:ext uri="{FF2B5EF4-FFF2-40B4-BE49-F238E27FC236}">
+                <a16:creationId xmlns:a16="http://schemas.microsoft.com/office/drawing/2014/main" id="{BA17ACA3-BB6A-44E1-AA72-EF7C266928FB}"/>
+              </a:ext>
+            </a:extLst>
+          </p:cNvPr>
+          <p:cNvPicPr>
+            <a:picLocks noGrp="1" noChangeAspect="1"/>
+          </p:cNvPicPr>
+          <p:nvPr>
+            <p:ph idx="1"/>
+          </p:nvPr>
+        </p:nvPicPr>
+        <p:blipFill>
+          <a:blip r:embed="rId2">
+            <a:extLst>
+              <a:ext uri="{28A0092B-C50C-407E-A947-70E740481C1C}">
+                <a14:useLocalDpi xmlns:a14="http://schemas.microsoft.com/office/drawing/2010/main" val="0"/>
+              </a:ext>
+            </a:extLst>
+          </a:blip>
+          <a:stretch>
+            <a:fillRect/>
+          </a:stretch>
+        </p:blipFill>
+        <p:spPr>
+          <a:xfrm>
+            <a:off x="2846042" y="2594822"/>
+            <a:ext cx="6499915" cy="1668356"/>
+          </a:xfrm>
+        </p:spPr>
+      </p:pic>
+    </p:spTree>
+    <p:extLst>
+      <p:ext uri="{BB962C8B-B14F-4D97-AF65-F5344CB8AC3E}">
+        <p14:creationId xmlns:p14="http://schemas.microsoft.com/office/powerpoint/2010/main" val="2566648579"/>
       </p:ext>
     </p:extLst>
   </p:cSld>

--- a/Projet SQL.pptx
+++ b/Projet SQL.pptx
@@ -16,6 +16,12 @@
     <p:sldId id="265" r:id="rId10"/>
     <p:sldId id="266" r:id="rId11"/>
     <p:sldId id="267" r:id="rId12"/>
+    <p:sldId id="268" r:id="rId13"/>
+    <p:sldId id="269" r:id="rId14"/>
+    <p:sldId id="270" r:id="rId15"/>
+    <p:sldId id="271" r:id="rId16"/>
+    <p:sldId id="272" r:id="rId17"/>
+    <p:sldId id="273" r:id="rId18"/>
   </p:sldIdLst>
   <p:sldSz cx="12192000" cy="6858000"/>
   <p:notesSz cx="6858000" cy="9144000"/>
@@ -3703,6 +3709,570 @@
 </p:sld>
 </file>
 
+<file path=ppt/slides/slide12.xml><?xml version="1.0" encoding="utf-8"?>
+<p:sld xmlns:a="http://schemas.openxmlformats.org/drawingml/2006/main" xmlns:r="http://schemas.openxmlformats.org/officeDocument/2006/relationships" xmlns:p="http://schemas.openxmlformats.org/presentationml/2006/main">
+  <p:cSld>
+    <p:spTree>
+      <p:nvGrpSpPr>
+        <p:cNvPr id="1" name=""/>
+        <p:cNvGrpSpPr/>
+        <p:nvPr/>
+      </p:nvGrpSpPr>
+      <p:grpSpPr>
+        <a:xfrm>
+          <a:off x="0" y="0"/>
+          <a:ext cx="0" cy="0"/>
+          <a:chOff x="0" y="0"/>
+          <a:chExt cx="0" cy="0"/>
+        </a:xfrm>
+      </p:grpSpPr>
+      <p:sp>
+        <p:nvSpPr>
+          <p:cNvPr id="2" name="Titre 1">
+            <a:extLst>
+              <a:ext uri="{FF2B5EF4-FFF2-40B4-BE49-F238E27FC236}">
+                <a16:creationId xmlns:a16="http://schemas.microsoft.com/office/drawing/2014/main" id="{5E7D44B8-9C92-49C8-ABF9-2F51141B8DD2}"/>
+              </a:ext>
+            </a:extLst>
+          </p:cNvPr>
+          <p:cNvSpPr>
+            <a:spLocks noGrp="1"/>
+          </p:cNvSpPr>
+          <p:nvPr>
+            <p:ph type="title"/>
+          </p:nvPr>
+        </p:nvSpPr>
+        <p:spPr/>
+        <p:txBody>
+          <a:bodyPr/>
+          <a:lstStyle/>
+          <a:p>
+            <a:pPr algn="ctr"/>
+            <a:r>
+              <a:rPr lang="fr-FR" dirty="0"/>
+              <a:t>Requête n°10</a:t>
+            </a:r>
+          </a:p>
+        </p:txBody>
+      </p:sp>
+      <p:pic>
+        <p:nvPicPr>
+          <p:cNvPr id="5" name="Espace réservé du contenu 4">
+            <a:extLst>
+              <a:ext uri="{FF2B5EF4-FFF2-40B4-BE49-F238E27FC236}">
+                <a16:creationId xmlns:a16="http://schemas.microsoft.com/office/drawing/2014/main" id="{4CCDD18A-FB58-4EA0-98C9-36DEDAF83EE7}"/>
+              </a:ext>
+            </a:extLst>
+          </p:cNvPr>
+          <p:cNvPicPr>
+            <a:picLocks noGrp="1" noChangeAspect="1"/>
+          </p:cNvPicPr>
+          <p:nvPr>
+            <p:ph idx="1"/>
+          </p:nvPr>
+        </p:nvPicPr>
+        <p:blipFill>
+          <a:blip r:embed="rId2">
+            <a:extLst>
+              <a:ext uri="{28A0092B-C50C-407E-A947-70E740481C1C}">
+                <a14:useLocalDpi xmlns:a14="http://schemas.microsoft.com/office/drawing/2010/main" val="0"/>
+              </a:ext>
+            </a:extLst>
+          </a:blip>
+          <a:stretch>
+            <a:fillRect/>
+          </a:stretch>
+        </p:blipFill>
+        <p:spPr>
+          <a:xfrm>
+            <a:off x="2650475" y="3429000"/>
+            <a:ext cx="6891049" cy="626459"/>
+          </a:xfrm>
+        </p:spPr>
+      </p:pic>
+    </p:spTree>
+    <p:extLst>
+      <p:ext uri="{BB962C8B-B14F-4D97-AF65-F5344CB8AC3E}">
+        <p14:creationId xmlns:p14="http://schemas.microsoft.com/office/powerpoint/2010/main" val="1484404063"/>
+      </p:ext>
+    </p:extLst>
+  </p:cSld>
+  <p:clrMapOvr>
+    <a:masterClrMapping/>
+  </p:clrMapOvr>
+</p:sld>
+</file>
+
+<file path=ppt/slides/slide13.xml><?xml version="1.0" encoding="utf-8"?>
+<p:sld xmlns:a="http://schemas.openxmlformats.org/drawingml/2006/main" xmlns:r="http://schemas.openxmlformats.org/officeDocument/2006/relationships" xmlns:p="http://schemas.openxmlformats.org/presentationml/2006/main">
+  <p:cSld>
+    <p:spTree>
+      <p:nvGrpSpPr>
+        <p:cNvPr id="1" name=""/>
+        <p:cNvGrpSpPr/>
+        <p:nvPr/>
+      </p:nvGrpSpPr>
+      <p:grpSpPr>
+        <a:xfrm>
+          <a:off x="0" y="0"/>
+          <a:ext cx="0" cy="0"/>
+          <a:chOff x="0" y="0"/>
+          <a:chExt cx="0" cy="0"/>
+        </a:xfrm>
+      </p:grpSpPr>
+      <p:sp>
+        <p:nvSpPr>
+          <p:cNvPr id="2" name="Titre 1">
+            <a:extLst>
+              <a:ext uri="{FF2B5EF4-FFF2-40B4-BE49-F238E27FC236}">
+                <a16:creationId xmlns:a16="http://schemas.microsoft.com/office/drawing/2014/main" id="{1BEF73CF-B981-4351-9835-0B051956B52F}"/>
+              </a:ext>
+            </a:extLst>
+          </p:cNvPr>
+          <p:cNvSpPr>
+            <a:spLocks noGrp="1"/>
+          </p:cNvSpPr>
+          <p:nvPr>
+            <p:ph type="title"/>
+          </p:nvPr>
+        </p:nvSpPr>
+        <p:spPr/>
+        <p:txBody>
+          <a:bodyPr/>
+          <a:lstStyle/>
+          <a:p>
+            <a:pPr algn="ctr"/>
+            <a:r>
+              <a:rPr lang="fr-FR" dirty="0"/>
+              <a:t>Requête n°11</a:t>
+            </a:r>
+          </a:p>
+        </p:txBody>
+      </p:sp>
+      <p:pic>
+        <p:nvPicPr>
+          <p:cNvPr id="5" name="Espace réservé du contenu 4">
+            <a:extLst>
+              <a:ext uri="{FF2B5EF4-FFF2-40B4-BE49-F238E27FC236}">
+                <a16:creationId xmlns:a16="http://schemas.microsoft.com/office/drawing/2014/main" id="{6551DD71-8A9D-4374-A9FD-C9766AA0DE7E}"/>
+              </a:ext>
+            </a:extLst>
+          </p:cNvPr>
+          <p:cNvPicPr>
+            <a:picLocks noGrp="1" noChangeAspect="1"/>
+          </p:cNvPicPr>
+          <p:nvPr>
+            <p:ph idx="1"/>
+          </p:nvPr>
+        </p:nvPicPr>
+        <p:blipFill>
+          <a:blip r:embed="rId2">
+            <a:extLst>
+              <a:ext uri="{28A0092B-C50C-407E-A947-70E740481C1C}">
+                <a14:useLocalDpi xmlns:a14="http://schemas.microsoft.com/office/drawing/2010/main" val="0"/>
+              </a:ext>
+            </a:extLst>
+          </a:blip>
+          <a:stretch>
+            <a:fillRect/>
+          </a:stretch>
+        </p:blipFill>
+        <p:spPr>
+          <a:xfrm>
+            <a:off x="2251254" y="3053318"/>
+            <a:ext cx="7689491" cy="751364"/>
+          </a:xfrm>
+        </p:spPr>
+      </p:pic>
+    </p:spTree>
+    <p:extLst>
+      <p:ext uri="{BB962C8B-B14F-4D97-AF65-F5344CB8AC3E}">
+        <p14:creationId xmlns:p14="http://schemas.microsoft.com/office/powerpoint/2010/main" val="3894039729"/>
+      </p:ext>
+    </p:extLst>
+  </p:cSld>
+  <p:clrMapOvr>
+    <a:masterClrMapping/>
+  </p:clrMapOvr>
+</p:sld>
+</file>
+
+<file path=ppt/slides/slide14.xml><?xml version="1.0" encoding="utf-8"?>
+<p:sld xmlns:a="http://schemas.openxmlformats.org/drawingml/2006/main" xmlns:r="http://schemas.openxmlformats.org/officeDocument/2006/relationships" xmlns:p="http://schemas.openxmlformats.org/presentationml/2006/main">
+  <p:cSld>
+    <p:spTree>
+      <p:nvGrpSpPr>
+        <p:cNvPr id="1" name=""/>
+        <p:cNvGrpSpPr/>
+        <p:nvPr/>
+      </p:nvGrpSpPr>
+      <p:grpSpPr>
+        <a:xfrm>
+          <a:off x="0" y="0"/>
+          <a:ext cx="0" cy="0"/>
+          <a:chOff x="0" y="0"/>
+          <a:chExt cx="0" cy="0"/>
+        </a:xfrm>
+      </p:grpSpPr>
+      <p:sp>
+        <p:nvSpPr>
+          <p:cNvPr id="2" name="Titre 1">
+            <a:extLst>
+              <a:ext uri="{FF2B5EF4-FFF2-40B4-BE49-F238E27FC236}">
+                <a16:creationId xmlns:a16="http://schemas.microsoft.com/office/drawing/2014/main" id="{9F2C61EF-6F12-4951-9A67-A1AC9AD4FFF5}"/>
+              </a:ext>
+            </a:extLst>
+          </p:cNvPr>
+          <p:cNvSpPr>
+            <a:spLocks noGrp="1"/>
+          </p:cNvSpPr>
+          <p:nvPr>
+            <p:ph type="title"/>
+          </p:nvPr>
+        </p:nvSpPr>
+        <p:spPr/>
+        <p:txBody>
+          <a:bodyPr/>
+          <a:lstStyle/>
+          <a:p>
+            <a:pPr algn="ctr"/>
+            <a:r>
+              <a:rPr lang="fr-FR" dirty="0"/>
+              <a:t>Requête n°12</a:t>
+            </a:r>
+          </a:p>
+        </p:txBody>
+      </p:sp>
+      <p:pic>
+        <p:nvPicPr>
+          <p:cNvPr id="5" name="Espace réservé du contenu 4">
+            <a:extLst>
+              <a:ext uri="{FF2B5EF4-FFF2-40B4-BE49-F238E27FC236}">
+                <a16:creationId xmlns:a16="http://schemas.microsoft.com/office/drawing/2014/main" id="{8336827D-D273-42D9-BD91-7152800AC140}"/>
+              </a:ext>
+            </a:extLst>
+          </p:cNvPr>
+          <p:cNvPicPr>
+            <a:picLocks noGrp="1" noChangeAspect="1"/>
+          </p:cNvPicPr>
+          <p:nvPr>
+            <p:ph idx="1"/>
+          </p:nvPr>
+        </p:nvPicPr>
+        <p:blipFill>
+          <a:blip r:embed="rId2">
+            <a:extLst>
+              <a:ext uri="{28A0092B-C50C-407E-A947-70E740481C1C}">
+                <a14:useLocalDpi xmlns:a14="http://schemas.microsoft.com/office/drawing/2010/main" val="0"/>
+              </a:ext>
+            </a:extLst>
+          </a:blip>
+          <a:stretch>
+            <a:fillRect/>
+          </a:stretch>
+        </p:blipFill>
+        <p:spPr>
+          <a:xfrm>
+            <a:off x="2540470" y="3062843"/>
+            <a:ext cx="7898530" cy="732314"/>
+          </a:xfrm>
+        </p:spPr>
+      </p:pic>
+    </p:spTree>
+    <p:extLst>
+      <p:ext uri="{BB962C8B-B14F-4D97-AF65-F5344CB8AC3E}">
+        <p14:creationId xmlns:p14="http://schemas.microsoft.com/office/powerpoint/2010/main" val="3421813753"/>
+      </p:ext>
+    </p:extLst>
+  </p:cSld>
+  <p:clrMapOvr>
+    <a:masterClrMapping/>
+  </p:clrMapOvr>
+</p:sld>
+</file>
+
+<file path=ppt/slides/slide15.xml><?xml version="1.0" encoding="utf-8"?>
+<p:sld xmlns:a="http://schemas.openxmlformats.org/drawingml/2006/main" xmlns:r="http://schemas.openxmlformats.org/officeDocument/2006/relationships" xmlns:p="http://schemas.openxmlformats.org/presentationml/2006/main">
+  <p:cSld>
+    <p:spTree>
+      <p:nvGrpSpPr>
+        <p:cNvPr id="1" name=""/>
+        <p:cNvGrpSpPr/>
+        <p:nvPr/>
+      </p:nvGrpSpPr>
+      <p:grpSpPr>
+        <a:xfrm>
+          <a:off x="0" y="0"/>
+          <a:ext cx="0" cy="0"/>
+          <a:chOff x="0" y="0"/>
+          <a:chExt cx="0" cy="0"/>
+        </a:xfrm>
+      </p:grpSpPr>
+      <p:sp>
+        <p:nvSpPr>
+          <p:cNvPr id="2" name="Titre 1">
+            <a:extLst>
+              <a:ext uri="{FF2B5EF4-FFF2-40B4-BE49-F238E27FC236}">
+                <a16:creationId xmlns:a16="http://schemas.microsoft.com/office/drawing/2014/main" id="{C4318013-B679-4F84-A0D9-40ABF7C0FD2F}"/>
+              </a:ext>
+            </a:extLst>
+          </p:cNvPr>
+          <p:cNvSpPr>
+            <a:spLocks noGrp="1"/>
+          </p:cNvSpPr>
+          <p:nvPr>
+            <p:ph type="title"/>
+          </p:nvPr>
+        </p:nvSpPr>
+        <p:spPr/>
+        <p:txBody>
+          <a:bodyPr/>
+          <a:lstStyle/>
+          <a:p>
+            <a:pPr algn="ctr"/>
+            <a:r>
+              <a:rPr lang="fr-FR" dirty="0"/>
+              <a:t>Requête n°13</a:t>
+            </a:r>
+          </a:p>
+        </p:txBody>
+      </p:sp>
+      <p:pic>
+        <p:nvPicPr>
+          <p:cNvPr id="5" name="Espace réservé du contenu 4">
+            <a:extLst>
+              <a:ext uri="{FF2B5EF4-FFF2-40B4-BE49-F238E27FC236}">
+                <a16:creationId xmlns:a16="http://schemas.microsoft.com/office/drawing/2014/main" id="{E51492CB-3823-4278-B173-ACAB0D780E4F}"/>
+              </a:ext>
+            </a:extLst>
+          </p:cNvPr>
+          <p:cNvPicPr>
+            <a:picLocks noGrp="1" noChangeAspect="1"/>
+          </p:cNvPicPr>
+          <p:nvPr>
+            <p:ph idx="1"/>
+          </p:nvPr>
+        </p:nvPicPr>
+        <p:blipFill>
+          <a:blip r:embed="rId2">
+            <a:extLst>
+              <a:ext uri="{28A0092B-C50C-407E-A947-70E740481C1C}">
+                <a14:useLocalDpi xmlns:a14="http://schemas.microsoft.com/office/drawing/2010/main" val="0"/>
+              </a:ext>
+            </a:extLst>
+          </a:blip>
+          <a:stretch>
+            <a:fillRect/>
+          </a:stretch>
+        </p:blipFill>
+        <p:spPr>
+          <a:xfrm>
+            <a:off x="3299656" y="2419669"/>
+            <a:ext cx="5592687" cy="2018662"/>
+          </a:xfrm>
+        </p:spPr>
+      </p:pic>
+    </p:spTree>
+    <p:extLst>
+      <p:ext uri="{BB962C8B-B14F-4D97-AF65-F5344CB8AC3E}">
+        <p14:creationId xmlns:p14="http://schemas.microsoft.com/office/powerpoint/2010/main" val="2399581853"/>
+      </p:ext>
+    </p:extLst>
+  </p:cSld>
+  <p:clrMapOvr>
+    <a:masterClrMapping/>
+  </p:clrMapOvr>
+</p:sld>
+</file>
+
+<file path=ppt/slides/slide16.xml><?xml version="1.0" encoding="utf-8"?>
+<p:sld xmlns:a="http://schemas.openxmlformats.org/drawingml/2006/main" xmlns:r="http://schemas.openxmlformats.org/officeDocument/2006/relationships" xmlns:p="http://schemas.openxmlformats.org/presentationml/2006/main">
+  <p:cSld>
+    <p:spTree>
+      <p:nvGrpSpPr>
+        <p:cNvPr id="1" name=""/>
+        <p:cNvGrpSpPr/>
+        <p:nvPr/>
+      </p:nvGrpSpPr>
+      <p:grpSpPr>
+        <a:xfrm>
+          <a:off x="0" y="0"/>
+          <a:ext cx="0" cy="0"/>
+          <a:chOff x="0" y="0"/>
+          <a:chExt cx="0" cy="0"/>
+        </a:xfrm>
+      </p:grpSpPr>
+      <p:sp>
+        <p:nvSpPr>
+          <p:cNvPr id="2" name="Titre 1">
+            <a:extLst>
+              <a:ext uri="{FF2B5EF4-FFF2-40B4-BE49-F238E27FC236}">
+                <a16:creationId xmlns:a16="http://schemas.microsoft.com/office/drawing/2014/main" id="{3A17ABDA-D87F-419B-9326-2AA30B26211B}"/>
+              </a:ext>
+            </a:extLst>
+          </p:cNvPr>
+          <p:cNvSpPr>
+            <a:spLocks noGrp="1"/>
+          </p:cNvSpPr>
+          <p:nvPr>
+            <p:ph type="title"/>
+          </p:nvPr>
+        </p:nvSpPr>
+        <p:spPr/>
+        <p:txBody>
+          <a:bodyPr/>
+          <a:lstStyle/>
+          <a:p>
+            <a:pPr algn="ctr"/>
+            <a:r>
+              <a:rPr lang="fr-FR" dirty="0"/>
+              <a:t>Requête n°14</a:t>
+            </a:r>
+          </a:p>
+        </p:txBody>
+      </p:sp>
+      <p:pic>
+        <p:nvPicPr>
+          <p:cNvPr id="5" name="Espace réservé du contenu 4" descr="Une image contenant capture d’écran, oiseau&#10;&#10;Description générée automatiquement">
+            <a:extLst>
+              <a:ext uri="{FF2B5EF4-FFF2-40B4-BE49-F238E27FC236}">
+                <a16:creationId xmlns:a16="http://schemas.microsoft.com/office/drawing/2014/main" id="{D3D391F1-9E0E-477D-BC51-E1CE4883A0CB}"/>
+              </a:ext>
+            </a:extLst>
+          </p:cNvPr>
+          <p:cNvPicPr>
+            <a:picLocks noGrp="1" noChangeAspect="1"/>
+          </p:cNvPicPr>
+          <p:nvPr>
+            <p:ph idx="1"/>
+          </p:nvPr>
+        </p:nvPicPr>
+        <p:blipFill>
+          <a:blip r:embed="rId2">
+            <a:extLst>
+              <a:ext uri="{28A0092B-C50C-407E-A947-70E740481C1C}">
+                <a14:useLocalDpi xmlns:a14="http://schemas.microsoft.com/office/drawing/2010/main" val="0"/>
+              </a:ext>
+            </a:extLst>
+          </a:blip>
+          <a:stretch>
+            <a:fillRect/>
+          </a:stretch>
+        </p:blipFill>
+        <p:spPr>
+          <a:xfrm>
+            <a:off x="3295474" y="2619783"/>
+            <a:ext cx="5601051" cy="1618434"/>
+          </a:xfrm>
+        </p:spPr>
+      </p:pic>
+    </p:spTree>
+    <p:extLst>
+      <p:ext uri="{BB962C8B-B14F-4D97-AF65-F5344CB8AC3E}">
+        <p14:creationId xmlns:p14="http://schemas.microsoft.com/office/powerpoint/2010/main" val="3132971701"/>
+      </p:ext>
+    </p:extLst>
+  </p:cSld>
+  <p:clrMapOvr>
+    <a:masterClrMapping/>
+  </p:clrMapOvr>
+</p:sld>
+</file>
+
+<file path=ppt/slides/slide17.xml><?xml version="1.0" encoding="utf-8"?>
+<p:sld xmlns:a="http://schemas.openxmlformats.org/drawingml/2006/main" xmlns:r="http://schemas.openxmlformats.org/officeDocument/2006/relationships" xmlns:p="http://schemas.openxmlformats.org/presentationml/2006/main">
+  <p:cSld>
+    <p:spTree>
+      <p:nvGrpSpPr>
+        <p:cNvPr id="1" name=""/>
+        <p:cNvGrpSpPr/>
+        <p:nvPr/>
+      </p:nvGrpSpPr>
+      <p:grpSpPr>
+        <a:xfrm>
+          <a:off x="0" y="0"/>
+          <a:ext cx="0" cy="0"/>
+          <a:chOff x="0" y="0"/>
+          <a:chExt cx="0" cy="0"/>
+        </a:xfrm>
+      </p:grpSpPr>
+      <p:sp>
+        <p:nvSpPr>
+          <p:cNvPr id="2" name="Titre 1">
+            <a:extLst>
+              <a:ext uri="{FF2B5EF4-FFF2-40B4-BE49-F238E27FC236}">
+                <a16:creationId xmlns:a16="http://schemas.microsoft.com/office/drawing/2014/main" id="{24ACF335-78A9-4C47-87B3-592BB01CF7A1}"/>
+              </a:ext>
+            </a:extLst>
+          </p:cNvPr>
+          <p:cNvSpPr>
+            <a:spLocks noGrp="1"/>
+          </p:cNvSpPr>
+          <p:nvPr>
+            <p:ph type="title"/>
+          </p:nvPr>
+        </p:nvSpPr>
+        <p:spPr/>
+        <p:txBody>
+          <a:bodyPr/>
+          <a:lstStyle/>
+          <a:p>
+            <a:pPr algn="ctr"/>
+            <a:r>
+              <a:rPr lang="fr-FR" dirty="0"/>
+              <a:t>Requête n°15</a:t>
+            </a:r>
+          </a:p>
+        </p:txBody>
+      </p:sp>
+      <p:pic>
+        <p:nvPicPr>
+          <p:cNvPr id="5" name="Espace réservé du contenu 4" descr="Une image contenant capture d’écran&#10;&#10;Description générée automatiquement">
+            <a:extLst>
+              <a:ext uri="{FF2B5EF4-FFF2-40B4-BE49-F238E27FC236}">
+                <a16:creationId xmlns:a16="http://schemas.microsoft.com/office/drawing/2014/main" id="{88176CC3-42F4-4CA2-9AC9-EF4633966F0B}"/>
+              </a:ext>
+            </a:extLst>
+          </p:cNvPr>
+          <p:cNvPicPr>
+            <a:picLocks noGrp="1" noChangeAspect="1"/>
+          </p:cNvPicPr>
+          <p:nvPr>
+            <p:ph idx="1"/>
+          </p:nvPr>
+        </p:nvPicPr>
+        <p:blipFill>
+          <a:blip r:embed="rId2">
+            <a:extLst>
+              <a:ext uri="{28A0092B-C50C-407E-A947-70E740481C1C}">
+                <a14:useLocalDpi xmlns:a14="http://schemas.microsoft.com/office/drawing/2010/main" val="0"/>
+              </a:ext>
+            </a:extLst>
+          </a:blip>
+          <a:stretch>
+            <a:fillRect/>
+          </a:stretch>
+        </p:blipFill>
+        <p:spPr>
+          <a:xfrm>
+            <a:off x="3292763" y="1880944"/>
+            <a:ext cx="5606474" cy="3096112"/>
+          </a:xfrm>
+        </p:spPr>
+      </p:pic>
+    </p:spTree>
+    <p:extLst>
+      <p:ext uri="{BB962C8B-B14F-4D97-AF65-F5344CB8AC3E}">
+        <p14:creationId xmlns:p14="http://schemas.microsoft.com/office/powerpoint/2010/main" val="3849983122"/>
+      </p:ext>
+    </p:extLst>
+  </p:cSld>
+  <p:clrMapOvr>
+    <a:masterClrMapping/>
+  </p:clrMapOvr>
+</p:sld>
+</file>
+
 <file path=ppt/slides/slide2.xml><?xml version="1.0" encoding="utf-8"?>
 <p:sld xmlns:a="http://schemas.openxmlformats.org/drawingml/2006/main" xmlns:r="http://schemas.openxmlformats.org/officeDocument/2006/relationships" xmlns:p="http://schemas.openxmlformats.org/presentationml/2006/main">
   <p:cSld>

--- a/Projet SQL.pptx
+++ b/Projet SQL.pptx
@@ -275,7 +275,7 @@
           <a:p>
             <a:fld id="{5BF70999-7FAF-42C4-A33E-6BD055A2B1BC}" type="datetimeFigureOut">
               <a:rPr lang="fr-FR" smtClean="0"/>
-              <a:t>16/04/2020</a:t>
+              <a:t>17/04/2020</a:t>
             </a:fld>
             <a:endParaRPr lang="fr-FR"/>
           </a:p>
@@ -473,7 +473,7 @@
           <a:p>
             <a:fld id="{5BF70999-7FAF-42C4-A33E-6BD055A2B1BC}" type="datetimeFigureOut">
               <a:rPr lang="fr-FR" smtClean="0"/>
-              <a:t>16/04/2020</a:t>
+              <a:t>17/04/2020</a:t>
             </a:fld>
             <a:endParaRPr lang="fr-FR"/>
           </a:p>
@@ -681,7 +681,7 @@
           <a:p>
             <a:fld id="{5BF70999-7FAF-42C4-A33E-6BD055A2B1BC}" type="datetimeFigureOut">
               <a:rPr lang="fr-FR" smtClean="0"/>
-              <a:t>16/04/2020</a:t>
+              <a:t>17/04/2020</a:t>
             </a:fld>
             <a:endParaRPr lang="fr-FR"/>
           </a:p>
@@ -879,7 +879,7 @@
           <a:p>
             <a:fld id="{5BF70999-7FAF-42C4-A33E-6BD055A2B1BC}" type="datetimeFigureOut">
               <a:rPr lang="fr-FR" smtClean="0"/>
-              <a:t>16/04/2020</a:t>
+              <a:t>17/04/2020</a:t>
             </a:fld>
             <a:endParaRPr lang="fr-FR"/>
           </a:p>
@@ -1154,7 +1154,7 @@
           <a:p>
             <a:fld id="{5BF70999-7FAF-42C4-A33E-6BD055A2B1BC}" type="datetimeFigureOut">
               <a:rPr lang="fr-FR" smtClean="0"/>
-              <a:t>16/04/2020</a:t>
+              <a:t>17/04/2020</a:t>
             </a:fld>
             <a:endParaRPr lang="fr-FR"/>
           </a:p>
@@ -1419,7 +1419,7 @@
           <a:p>
             <a:fld id="{5BF70999-7FAF-42C4-A33E-6BD055A2B1BC}" type="datetimeFigureOut">
               <a:rPr lang="fr-FR" smtClean="0"/>
-              <a:t>16/04/2020</a:t>
+              <a:t>17/04/2020</a:t>
             </a:fld>
             <a:endParaRPr lang="fr-FR"/>
           </a:p>
@@ -1831,7 +1831,7 @@
           <a:p>
             <a:fld id="{5BF70999-7FAF-42C4-A33E-6BD055A2B1BC}" type="datetimeFigureOut">
               <a:rPr lang="fr-FR" smtClean="0"/>
-              <a:t>16/04/2020</a:t>
+              <a:t>17/04/2020</a:t>
             </a:fld>
             <a:endParaRPr lang="fr-FR"/>
           </a:p>
@@ -1972,7 +1972,7 @@
           <a:p>
             <a:fld id="{5BF70999-7FAF-42C4-A33E-6BD055A2B1BC}" type="datetimeFigureOut">
               <a:rPr lang="fr-FR" smtClean="0"/>
-              <a:t>16/04/2020</a:t>
+              <a:t>17/04/2020</a:t>
             </a:fld>
             <a:endParaRPr lang="fr-FR"/>
           </a:p>
@@ -2085,7 +2085,7 @@
           <a:p>
             <a:fld id="{5BF70999-7FAF-42C4-A33E-6BD055A2B1BC}" type="datetimeFigureOut">
               <a:rPr lang="fr-FR" smtClean="0"/>
-              <a:t>16/04/2020</a:t>
+              <a:t>17/04/2020</a:t>
             </a:fld>
             <a:endParaRPr lang="fr-FR"/>
           </a:p>
@@ -2396,7 +2396,7 @@
           <a:p>
             <a:fld id="{5BF70999-7FAF-42C4-A33E-6BD055A2B1BC}" type="datetimeFigureOut">
               <a:rPr lang="fr-FR" smtClean="0"/>
-              <a:t>16/04/2020</a:t>
+              <a:t>17/04/2020</a:t>
             </a:fld>
             <a:endParaRPr lang="fr-FR"/>
           </a:p>
@@ -2684,7 +2684,7 @@
           <a:p>
             <a:fld id="{5BF70999-7FAF-42C4-A33E-6BD055A2B1BC}" type="datetimeFigureOut">
               <a:rPr lang="fr-FR" smtClean="0"/>
-              <a:t>16/04/2020</a:t>
+              <a:t>17/04/2020</a:t>
             </a:fld>
             <a:endParaRPr lang="fr-FR"/>
           </a:p>
@@ -2925,7 +2925,7 @@
           <a:p>
             <a:fld id="{5BF70999-7FAF-42C4-A33E-6BD055A2B1BC}" type="datetimeFigureOut">
               <a:rPr lang="fr-FR" smtClean="0"/>
-              <a:t>16/04/2020</a:t>
+              <a:t>17/04/2020</a:t>
             </a:fld>
             <a:endParaRPr lang="fr-FR"/>
           </a:p>
@@ -4766,7 +4766,12 @@
             <p:ph type="title"/>
           </p:nvPr>
         </p:nvSpPr>
-        <p:spPr/>
+        <p:spPr>
+          <a:xfrm>
+            <a:off x="838200" y="356736"/>
+            <a:ext cx="10515600" cy="1325563"/>
+          </a:xfrm>
+        </p:spPr>
         <p:txBody>
           <a:bodyPr/>
           <a:lstStyle/>
@@ -4781,19 +4786,17 @@
       </p:sp>
       <p:pic>
         <p:nvPicPr>
-          <p:cNvPr id="5" name="Espace réservé du contenu 4" descr="Une image contenant journal&#10;&#10;Description générée automatiquement">
-            <a:extLst>
-              <a:ext uri="{FF2B5EF4-FFF2-40B4-BE49-F238E27FC236}">
-                <a16:creationId xmlns:a16="http://schemas.microsoft.com/office/drawing/2014/main" id="{8F08CCCF-ADE9-4A6E-ADF8-6E4C124288C2}"/>
+          <p:cNvPr id="4" name="Image 3">
+            <a:extLst>
+              <a:ext uri="{FF2B5EF4-FFF2-40B4-BE49-F238E27FC236}">
+                <a16:creationId xmlns:a16="http://schemas.microsoft.com/office/drawing/2014/main" id="{CB354F28-4CF4-4CA5-9C75-46988A7C8D01}"/>
               </a:ext>
             </a:extLst>
           </p:cNvPr>
           <p:cNvPicPr>
-            <a:picLocks noGrp="1" noChangeAspect="1"/>
+            <a:picLocks noChangeAspect="1"/>
           </p:cNvPicPr>
-          <p:nvPr>
-            <p:ph idx="1"/>
-          </p:nvPr>
+          <p:nvPr/>
         </p:nvPicPr>
         <p:blipFill>
           <a:blip r:embed="rId2">
@@ -4809,9 +4812,12 @@
         </p:blipFill>
         <p:spPr>
           <a:xfrm>
-            <a:off x="2191210" y="2253007"/>
-            <a:ext cx="7806544" cy="2674464"/>
+            <a:off x="1801439" y="3058068"/>
+            <a:ext cx="8589122" cy="741863"/>
           </a:xfrm>
+          <a:prstGeom prst="rect">
+            <a:avLst/>
+          </a:prstGeom>
         </p:spPr>
       </p:pic>
     </p:spTree>
@@ -4969,19 +4975,17 @@
       </p:sp>
       <p:pic>
         <p:nvPicPr>
-          <p:cNvPr id="5" name="Espace réservé du contenu 4">
-            <a:extLst>
-              <a:ext uri="{FF2B5EF4-FFF2-40B4-BE49-F238E27FC236}">
-                <a16:creationId xmlns:a16="http://schemas.microsoft.com/office/drawing/2014/main" id="{BA17ACA3-BB6A-44E1-AA72-EF7C266928FB}"/>
+          <p:cNvPr id="7" name="Image 6">
+            <a:extLst>
+              <a:ext uri="{FF2B5EF4-FFF2-40B4-BE49-F238E27FC236}">
+                <a16:creationId xmlns:a16="http://schemas.microsoft.com/office/drawing/2014/main" id="{510B73E0-7C15-4E51-AB66-53BADEDDF16B}"/>
               </a:ext>
             </a:extLst>
           </p:cNvPr>
           <p:cNvPicPr>
-            <a:picLocks noGrp="1" noChangeAspect="1"/>
+            <a:picLocks noChangeAspect="1"/>
           </p:cNvPicPr>
-          <p:nvPr>
-            <p:ph idx="1"/>
-          </p:nvPr>
+          <p:nvPr/>
         </p:nvPicPr>
         <p:blipFill>
           <a:blip r:embed="rId2">
@@ -4997,9 +5001,12 @@
         </p:blipFill>
         <p:spPr>
           <a:xfrm>
-            <a:off x="2846042" y="2594822"/>
-            <a:ext cx="6499915" cy="1668356"/>
+            <a:off x="1434616" y="3005233"/>
+            <a:ext cx="10076599" cy="864312"/>
           </a:xfrm>
+          <a:prstGeom prst="rect">
+            <a:avLst/>
+          </a:prstGeom>
         </p:spPr>
       </p:pic>
     </p:spTree>

--- a/Projet SQL.pptx
+++ b/Projet SQL.pptx
@@ -4344,6 +4344,36 @@
           </a:p>
         </p:txBody>
       </p:sp>
+      <p:pic>
+        <p:nvPicPr>
+          <p:cNvPr id="5" name="Image 4">
+            <a:extLst>
+              <a:ext uri="{FF2B5EF4-FFF2-40B4-BE49-F238E27FC236}">
+                <a16:creationId xmlns:a16="http://schemas.microsoft.com/office/drawing/2014/main" id="{A3A15292-5D66-4E62-9FA1-E8F6615701A6}"/>
+              </a:ext>
+            </a:extLst>
+          </p:cNvPr>
+          <p:cNvPicPr>
+            <a:picLocks noChangeAspect="1"/>
+          </p:cNvPicPr>
+          <p:nvPr/>
+        </p:nvPicPr>
+        <p:blipFill>
+          <a:blip r:embed="rId2"/>
+          <a:stretch>
+            <a:fillRect/>
+          </a:stretch>
+        </p:blipFill>
+        <p:spPr>
+          <a:xfrm>
+            <a:off x="2401078" y="1428885"/>
+            <a:ext cx="7389844" cy="5063990"/>
+          </a:xfrm>
+          <a:prstGeom prst="rect">
+            <a:avLst/>
+          </a:prstGeom>
+        </p:spPr>
+      </p:pic>
     </p:spTree>
     <p:extLst>
       <p:ext uri="{BB962C8B-B14F-4D97-AF65-F5344CB8AC3E}">

--- a/Projet SQL.pptx
+++ b/Projet SQL.pptx
@@ -4316,31 +4316,6 @@
               <a:rPr lang="fr-FR" dirty="0"/>
               <a:t>Les Tables </a:t>
             </a:r>
-          </a:p>
-        </p:txBody>
-      </p:sp>
-      <p:sp>
-        <p:nvSpPr>
-          <p:cNvPr id="3" name="Espace réservé du contenu 2">
-            <a:extLst>
-              <a:ext uri="{FF2B5EF4-FFF2-40B4-BE49-F238E27FC236}">
-                <a16:creationId xmlns:a16="http://schemas.microsoft.com/office/drawing/2014/main" id="{63D2DA1E-F80B-42C0-B6BA-522D18D2CB8C}"/>
-              </a:ext>
-            </a:extLst>
-          </p:cNvPr>
-          <p:cNvSpPr>
-            <a:spLocks noGrp="1"/>
-          </p:cNvSpPr>
-          <p:nvPr>
-            <p:ph idx="1"/>
-          </p:nvPr>
-        </p:nvSpPr>
-        <p:spPr/>
-        <p:txBody>
-          <a:bodyPr/>
-          <a:lstStyle/>
-          <a:p>
-            <a:endParaRPr lang="fr-FR" dirty="0"/>
           </a:p>
         </p:txBody>
       </p:sp>
